--- a/docs/lectures/Introduction.pptx
+++ b/docs/lectures/Introduction.pptx
@@ -5,10 +5,10 @@
     <p:sldMasterId id="2147483648" r:id="rId1"/>
   </p:sldMasterIdLst>
   <p:notesMasterIdLst>
-    <p:notesMasterId r:id="rId15"/>
+    <p:notesMasterId r:id="rId14"/>
   </p:notesMasterIdLst>
   <p:handoutMasterIdLst>
-    <p:handoutMasterId r:id="rId16"/>
+    <p:handoutMasterId r:id="rId15"/>
   </p:handoutMasterIdLst>
   <p:sldIdLst>
     <p:sldId id="256" r:id="rId2"/>
@@ -23,7 +23,6 @@
     <p:sldId id="333" r:id="rId11"/>
     <p:sldId id="334" r:id="rId12"/>
     <p:sldId id="332" r:id="rId13"/>
-    <p:sldId id="337" r:id="rId14"/>
   </p:sldIdLst>
   <p:sldSz cx="12192000" cy="6858000"/>
   <p:notesSz cx="7099300" cy="10234613"/>
@@ -512,7 +511,7 @@
           <a:p>
             <a:fld id="{6AD24EC9-7198-4B56-AEF9-BBEDF5640E20}" type="datetimeFigureOut">
               <a:rPr lang="en-GB" smtClean="0"/>
-              <a:t>17/09/2021</a:t>
+              <a:t>07/10/2021</a:t>
             </a:fld>
             <a:endParaRPr lang="en-GB"/>
           </a:p>
@@ -677,7 +676,7 @@
           <a:p>
             <a:fld id="{9DA14B43-C65A-4AE6-9D2C-F5DDC46BD098}" type="datetimeFigureOut">
               <a:rPr lang="en-GB" smtClean="0"/>
-              <a:t>17/09/2021</a:t>
+              <a:t>07/10/2021</a:t>
             </a:fld>
             <a:endParaRPr lang="en-GB"/>
           </a:p>
@@ -1497,7 +1496,7 @@
           <a:p>
             <a:fld id="{EADA9985-F9B8-4E11-8A40-B153142C5EE0}" type="datetimeFigureOut">
               <a:rPr lang="en-GB" smtClean="0"/>
-              <a:t>17/09/2021</a:t>
+              <a:t>07/10/2021</a:t>
             </a:fld>
             <a:endParaRPr lang="en-GB"/>
           </a:p>
@@ -1742,7 +1741,7 @@
           <a:p>
             <a:fld id="{EADA9985-F9B8-4E11-8A40-B153142C5EE0}" type="datetimeFigureOut">
               <a:rPr lang="en-GB" smtClean="0"/>
-              <a:t>17/09/2021</a:t>
+              <a:t>07/10/2021</a:t>
             </a:fld>
             <a:endParaRPr lang="en-GB"/>
           </a:p>
@@ -1922,7 +1921,7 @@
           <a:p>
             <a:fld id="{EADA9985-F9B8-4E11-8A40-B153142C5EE0}" type="datetimeFigureOut">
               <a:rPr lang="en-GB" smtClean="0"/>
-              <a:t>17/09/2021</a:t>
+              <a:t>07/10/2021</a:t>
             </a:fld>
             <a:endParaRPr lang="en-GB"/>
           </a:p>
@@ -2092,7 +2091,7 @@
           <a:p>
             <a:fld id="{EADA9985-F9B8-4E11-8A40-B153142C5EE0}" type="datetimeFigureOut">
               <a:rPr lang="en-GB" smtClean="0"/>
-              <a:t>17/09/2021</a:t>
+              <a:t>07/10/2021</a:t>
             </a:fld>
             <a:endParaRPr lang="en-GB"/>
           </a:p>
@@ -2374,7 +2373,7 @@
           <a:p>
             <a:fld id="{EADA9985-F9B8-4E11-8A40-B153142C5EE0}" type="datetimeFigureOut">
               <a:rPr lang="en-GB" smtClean="0"/>
-              <a:t>17/09/2021</a:t>
+              <a:t>07/10/2021</a:t>
             </a:fld>
             <a:endParaRPr lang="en-GB"/>
           </a:p>
@@ -2606,7 +2605,7 @@
           <a:p>
             <a:fld id="{EADA9985-F9B8-4E11-8A40-B153142C5EE0}" type="datetimeFigureOut">
               <a:rPr lang="en-GB" smtClean="0"/>
-              <a:t>17/09/2021</a:t>
+              <a:t>07/10/2021</a:t>
             </a:fld>
             <a:endParaRPr lang="en-GB"/>
           </a:p>
@@ -2973,7 +2972,7 @@
           <a:p>
             <a:fld id="{EADA9985-F9B8-4E11-8A40-B153142C5EE0}" type="datetimeFigureOut">
               <a:rPr lang="en-GB" smtClean="0"/>
-              <a:t>17/09/2021</a:t>
+              <a:t>07/10/2021</a:t>
             </a:fld>
             <a:endParaRPr lang="en-GB"/>
           </a:p>
@@ -3091,7 +3090,7 @@
           <a:p>
             <a:fld id="{EADA9985-F9B8-4E11-8A40-B153142C5EE0}" type="datetimeFigureOut">
               <a:rPr lang="en-GB" smtClean="0"/>
-              <a:t>17/09/2021</a:t>
+              <a:t>07/10/2021</a:t>
             </a:fld>
             <a:endParaRPr lang="en-GB"/>
           </a:p>
@@ -3186,7 +3185,7 @@
           <a:p>
             <a:fld id="{EADA9985-F9B8-4E11-8A40-B153142C5EE0}" type="datetimeFigureOut">
               <a:rPr lang="en-GB" smtClean="0"/>
-              <a:t>17/09/2021</a:t>
+              <a:t>07/10/2021</a:t>
             </a:fld>
             <a:endParaRPr lang="en-GB"/>
           </a:p>
@@ -3463,7 +3462,7 @@
           <a:p>
             <a:fld id="{EADA9985-F9B8-4E11-8A40-B153142C5EE0}" type="datetimeFigureOut">
               <a:rPr lang="en-GB" smtClean="0"/>
-              <a:t>17/09/2021</a:t>
+              <a:t>07/10/2021</a:t>
             </a:fld>
             <a:endParaRPr lang="en-GB"/>
           </a:p>
@@ -3716,7 +3715,7 @@
           <a:p>
             <a:fld id="{EADA9985-F9B8-4E11-8A40-B153142C5EE0}" type="datetimeFigureOut">
               <a:rPr lang="en-GB" smtClean="0"/>
-              <a:t>17/09/2021</a:t>
+              <a:t>07/10/2021</a:t>
             </a:fld>
             <a:endParaRPr lang="en-GB"/>
           </a:p>
@@ -3929,7 +3928,7 @@
           <a:p>
             <a:fld id="{EADA9985-F9B8-4E11-8A40-B153142C5EE0}" type="datetimeFigureOut">
               <a:rPr lang="en-GB" smtClean="0"/>
-              <a:t>17/09/2021</a:t>
+              <a:t>07/10/2021</a:t>
             </a:fld>
             <a:endParaRPr lang="en-GB"/>
           </a:p>
@@ -4949,137 +4948,6 @@
     <p:extLst>
       <p:ext uri="{BB962C8B-B14F-4D97-AF65-F5344CB8AC3E}">
         <p14:creationId xmlns:p14="http://schemas.microsoft.com/office/powerpoint/2010/main" val="1583021834"/>
-      </p:ext>
-    </p:extLst>
-  </p:cSld>
-  <p:clrMapOvr>
-    <a:masterClrMapping/>
-  </p:clrMapOvr>
-</p:sld>
-</file>
-
-<file path=ppt/slides/slide13.xml><?xml version="1.0" encoding="utf-8"?>
-<p:sld xmlns:a="http://schemas.openxmlformats.org/drawingml/2006/main" xmlns:r="http://schemas.openxmlformats.org/officeDocument/2006/relationships" xmlns:p="http://schemas.openxmlformats.org/presentationml/2006/main">
-  <p:cSld>
-    <p:spTree>
-      <p:nvGrpSpPr>
-        <p:cNvPr id="1" name=""/>
-        <p:cNvGrpSpPr/>
-        <p:nvPr/>
-      </p:nvGrpSpPr>
-      <p:grpSpPr>
-        <a:xfrm>
-          <a:off x="0" y="0"/>
-          <a:ext cx="0" cy="0"/>
-          <a:chOff x="0" y="0"/>
-          <a:chExt cx="0" cy="0"/>
-        </a:xfrm>
-      </p:grpSpPr>
-      <p:sp>
-        <p:nvSpPr>
-          <p:cNvPr id="2" name="Title 1">
-            <a:extLst>
-              <a:ext uri="{FF2B5EF4-FFF2-40B4-BE49-F238E27FC236}">
-                <a16:creationId xmlns:a16="http://schemas.microsoft.com/office/drawing/2014/main" id="{A9E925EE-C8A8-1340-ACE9-718CC6D82F42}"/>
-              </a:ext>
-            </a:extLst>
-          </p:cNvPr>
-          <p:cNvSpPr>
-            <a:spLocks noGrp="1"/>
-          </p:cNvSpPr>
-          <p:nvPr>
-            <p:ph type="title"/>
-          </p:nvPr>
-        </p:nvSpPr>
-        <p:spPr/>
-        <p:txBody>
-          <a:bodyPr/>
-          <a:lstStyle/>
-          <a:p>
-            <a:r>
-              <a:rPr lang="en-US" dirty="0"/>
-              <a:t>Actions before lecture on Thursday</a:t>
-            </a:r>
-          </a:p>
-        </p:txBody>
-      </p:sp>
-      <p:sp>
-        <p:nvSpPr>
-          <p:cNvPr id="3" name="Content Placeholder 2">
-            <a:extLst>
-              <a:ext uri="{FF2B5EF4-FFF2-40B4-BE49-F238E27FC236}">
-                <a16:creationId xmlns:a16="http://schemas.microsoft.com/office/drawing/2014/main" id="{93FDD38F-D871-2646-B24D-0B94E1B96D00}"/>
-              </a:ext>
-            </a:extLst>
-          </p:cNvPr>
-          <p:cNvSpPr>
-            <a:spLocks noGrp="1"/>
-          </p:cNvSpPr>
-          <p:nvPr>
-            <p:ph idx="1"/>
-          </p:nvPr>
-        </p:nvSpPr>
-        <p:spPr/>
-        <p:txBody>
-          <a:bodyPr/>
-          <a:lstStyle/>
-          <a:p>
-            <a:r>
-              <a:rPr lang="en-US" dirty="0"/>
-              <a:t>Read Chapter 1 of Lennart </a:t>
-            </a:r>
-            <a:r>
-              <a:rPr lang="en-US" dirty="0" err="1"/>
-              <a:t>Ljung’s</a:t>
-            </a:r>
-            <a:r>
-              <a:rPr lang="en-US" dirty="0"/>
-              <a:t> System Identification Theory for the User.</a:t>
-            </a:r>
-          </a:p>
-          <a:p>
-            <a:r>
-              <a:rPr lang="en-US" dirty="0"/>
-              <a:t>Review previous MATLAB notes</a:t>
-            </a:r>
-          </a:p>
-          <a:p>
-            <a:r>
-              <a:rPr lang="en-US" dirty="0"/>
-              <a:t>Register and make a start on </a:t>
-            </a:r>
-            <a:r>
-              <a:rPr lang="en-US" dirty="0" err="1"/>
-              <a:t>Matlab</a:t>
-            </a:r>
-            <a:r>
-              <a:rPr lang="en-US" dirty="0"/>
-              <a:t> Onramp Course - </a:t>
-            </a:r>
-            <a:r>
-              <a:rPr lang="en-GB" b="1" dirty="0"/>
-              <a:t>https://</a:t>
-            </a:r>
-            <a:r>
-              <a:rPr lang="en-GB" b="1" dirty="0" err="1"/>
-              <a:t>tinyurl.com</a:t>
-            </a:r>
-            <a:r>
-              <a:rPr lang="en-GB" b="1" dirty="0"/>
-              <a:t>/</a:t>
-            </a:r>
-            <a:r>
-              <a:rPr lang="en-GB" b="1" dirty="0" err="1"/>
-              <a:t>vdsmatlabonramp</a:t>
-            </a:r>
-            <a:endParaRPr lang="en-US" dirty="0"/>
-          </a:p>
-        </p:txBody>
-      </p:sp>
-    </p:spTree>
-    <p:extLst>
-      <p:ext uri="{BB962C8B-B14F-4D97-AF65-F5344CB8AC3E}">
-        <p14:creationId xmlns:p14="http://schemas.microsoft.com/office/powerpoint/2010/main" val="1233151586"/>
       </p:ext>
     </p:extLst>
   </p:cSld>
